--- a/day1/slides/intro.pptx
+++ b/day1/slides/intro.pptx
@@ -5,7 +5,7 @@
     <p:sldMasterId id="2147484294" r:id="rId1"/>
   </p:sldMasterIdLst>
   <p:notesMasterIdLst>
-    <p:notesMasterId r:id="rId19"/>
+    <p:notesMasterId r:id="rId20"/>
   </p:notesMasterIdLst>
   <p:sldIdLst>
     <p:sldId id="256" r:id="rId2"/>
@@ -23,8 +23,9 @@
     <p:sldId id="263" r:id="rId14"/>
     <p:sldId id="287" r:id="rId15"/>
     <p:sldId id="257" r:id="rId16"/>
-    <p:sldId id="267" r:id="rId17"/>
-    <p:sldId id="289" r:id="rId18"/>
+    <p:sldId id="292" r:id="rId17"/>
+    <p:sldId id="267" r:id="rId18"/>
+    <p:sldId id="289" r:id="rId19"/>
   </p:sldIdLst>
   <p:sldSz cx="12192000" cy="6858000"/>
   <p:notesSz cx="6858000" cy="9144000"/>
@@ -213,7 +214,7 @@
           <a:p>
             <a:fld id="{D49A0B7E-B595-B14C-B05F-40313997F4EC}" type="datetimeFigureOut">
               <a:rPr lang="en-US" smtClean="0"/>
-              <a:t>4/30/25</a:t>
+              <a:t>5/1/25</a:t>
             </a:fld>
             <a:endParaRPr lang="en-US"/>
           </a:p>
@@ -999,6 +1000,114 @@
 </p:notes>
 </file>
 
+<file path=ppt/notesSlides/notesSlide14.xml><?xml version="1.0" encoding="utf-8"?>
+<p:notes xmlns:a="http://schemas.openxmlformats.org/drawingml/2006/main" xmlns:r="http://schemas.openxmlformats.org/officeDocument/2006/relationships" xmlns:p="http://schemas.openxmlformats.org/presentationml/2006/main">
+  <p:cSld>
+    <p:spTree>
+      <p:nvGrpSpPr>
+        <p:cNvPr id="1" name="">
+          <a:extLst>
+            <a:ext uri="{FF2B5EF4-FFF2-40B4-BE49-F238E27FC236}">
+              <a16:creationId xmlns:a16="http://schemas.microsoft.com/office/drawing/2014/main" id="{F24D21D6-51A8-CDD5-A7EA-5871195C8EBD}"/>
+            </a:ext>
+          </a:extLst>
+        </p:cNvPr>
+        <p:cNvGrpSpPr/>
+        <p:nvPr/>
+      </p:nvGrpSpPr>
+      <p:grpSpPr>
+        <a:xfrm>
+          <a:off x="0" y="0"/>
+          <a:ext cx="0" cy="0"/>
+          <a:chOff x="0" y="0"/>
+          <a:chExt cx="0" cy="0"/>
+        </a:xfrm>
+      </p:grpSpPr>
+      <p:sp>
+        <p:nvSpPr>
+          <p:cNvPr id="2" name="Slide Image Placeholder 1">
+            <a:extLst>
+              <a:ext uri="{FF2B5EF4-FFF2-40B4-BE49-F238E27FC236}">
+                <a16:creationId xmlns:a16="http://schemas.microsoft.com/office/drawing/2014/main" id="{EFDED4D1-1A48-86FE-497A-6DC3C41DC92D}"/>
+              </a:ext>
+            </a:extLst>
+          </p:cNvPr>
+          <p:cNvSpPr>
+            <a:spLocks noGrp="1" noRot="1" noChangeAspect="1"/>
+          </p:cNvSpPr>
+          <p:nvPr>
+            <p:ph type="sldImg"/>
+          </p:nvPr>
+        </p:nvSpPr>
+        <p:spPr/>
+      </p:sp>
+      <p:sp>
+        <p:nvSpPr>
+          <p:cNvPr id="3" name="Notes Placeholder 2">
+            <a:extLst>
+              <a:ext uri="{FF2B5EF4-FFF2-40B4-BE49-F238E27FC236}">
+                <a16:creationId xmlns:a16="http://schemas.microsoft.com/office/drawing/2014/main" id="{1139D5E5-00EE-1B86-CB3F-C3BFB37BFEBD}"/>
+              </a:ext>
+            </a:extLst>
+          </p:cNvPr>
+          <p:cNvSpPr>
+            <a:spLocks noGrp="1"/>
+          </p:cNvSpPr>
+          <p:nvPr>
+            <p:ph type="body" idx="1"/>
+          </p:nvPr>
+        </p:nvSpPr>
+        <p:spPr/>
+        <p:txBody>
+          <a:bodyPr/>
+          <a:lstStyle/>
+          <a:p>
+            <a:endParaRPr lang="en-US" dirty="0"/>
+          </a:p>
+        </p:txBody>
+      </p:sp>
+      <p:sp>
+        <p:nvSpPr>
+          <p:cNvPr id="4" name="Slide Number Placeholder 3">
+            <a:extLst>
+              <a:ext uri="{FF2B5EF4-FFF2-40B4-BE49-F238E27FC236}">
+                <a16:creationId xmlns:a16="http://schemas.microsoft.com/office/drawing/2014/main" id="{4E4F9606-7E65-1CB5-4404-FF3CF1B30954}"/>
+              </a:ext>
+            </a:extLst>
+          </p:cNvPr>
+          <p:cNvSpPr>
+            <a:spLocks noGrp="1"/>
+          </p:cNvSpPr>
+          <p:nvPr>
+            <p:ph type="sldNum" sz="quarter" idx="5"/>
+          </p:nvPr>
+        </p:nvSpPr>
+        <p:spPr/>
+        <p:txBody>
+          <a:bodyPr/>
+          <a:lstStyle/>
+          <a:p>
+            <a:fld id="{A57A27FD-C524-254A-A05F-2F794142324C}" type="slidenum">
+              <a:rPr lang="en-US" smtClean="0"/>
+              <a:t>16</a:t>
+            </a:fld>
+            <a:endParaRPr lang="en-US"/>
+          </a:p>
+        </p:txBody>
+      </p:sp>
+    </p:spTree>
+    <p:extLst>
+      <p:ext uri="{BB962C8B-B14F-4D97-AF65-F5344CB8AC3E}">
+        <p14:creationId xmlns:p14="http://schemas.microsoft.com/office/powerpoint/2010/main" val="3373841284"/>
+      </p:ext>
+    </p:extLst>
+  </p:cSld>
+  <p:clrMapOvr>
+    <a:masterClrMapping/>
+  </p:clrMapOvr>
+</p:notes>
+</file>
+
 <file path=ppt/notesSlides/notesSlide2.xml><?xml version="1.0" encoding="utf-8"?>
 <p:notes xmlns:a="http://schemas.openxmlformats.org/drawingml/2006/main" xmlns:r="http://schemas.openxmlformats.org/officeDocument/2006/relationships" xmlns:p="http://schemas.openxmlformats.org/presentationml/2006/main">
   <p:cSld>
@@ -2109,7 +2218,7 @@
           <a:p>
             <a:fld id="{51673806-0BCD-1F42-BAA8-2011034B3C6A}" type="datetimeFigureOut">
               <a:rPr lang="en-US" smtClean="0"/>
-              <a:t>4/30/25</a:t>
+              <a:t>5/1/25</a:t>
             </a:fld>
             <a:endParaRPr lang="en-US"/>
           </a:p>
@@ -2523,7 +2632,7 @@
           <a:p>
             <a:fld id="{51673806-0BCD-1F42-BAA8-2011034B3C6A}" type="datetimeFigureOut">
               <a:rPr lang="en-US" smtClean="0"/>
-              <a:t>4/30/25</a:t>
+              <a:t>5/1/25</a:t>
             </a:fld>
             <a:endParaRPr lang="en-US"/>
           </a:p>
@@ -2854,7 +2963,7 @@
           <a:p>
             <a:fld id="{51673806-0BCD-1F42-BAA8-2011034B3C6A}" type="datetimeFigureOut">
               <a:rPr lang="en-US" smtClean="0"/>
-              <a:t>4/30/25</a:t>
+              <a:t>5/1/25</a:t>
             </a:fld>
             <a:endParaRPr lang="en-US"/>
           </a:p>
@@ -3254,7 +3363,7 @@
           <a:p>
             <a:fld id="{51673806-0BCD-1F42-BAA8-2011034B3C6A}" type="datetimeFigureOut">
               <a:rPr lang="en-US" smtClean="0"/>
-              <a:t>4/30/25</a:t>
+              <a:t>5/1/25</a:t>
             </a:fld>
             <a:endParaRPr lang="en-US"/>
           </a:p>
@@ -3817,7 +3926,7 @@
           <a:p>
             <a:fld id="{51673806-0BCD-1F42-BAA8-2011034B3C6A}" type="datetimeFigureOut">
               <a:rPr lang="en-US" smtClean="0"/>
-              <a:t>4/30/25</a:t>
+              <a:t>5/1/25</a:t>
             </a:fld>
             <a:endParaRPr lang="en-US"/>
           </a:p>
@@ -4493,7 +4602,7 @@
           <a:p>
             <a:fld id="{51673806-0BCD-1F42-BAA8-2011034B3C6A}" type="datetimeFigureOut">
               <a:rPr lang="en-US" smtClean="0"/>
-              <a:t>4/30/25</a:t>
+              <a:t>5/1/25</a:t>
             </a:fld>
             <a:endParaRPr lang="en-US"/>
           </a:p>
@@ -5401,7 +5510,7 @@
           <a:p>
             <a:fld id="{51673806-0BCD-1F42-BAA8-2011034B3C6A}" type="datetimeFigureOut">
               <a:rPr lang="en-US" smtClean="0"/>
-              <a:t>4/30/25</a:t>
+              <a:t>5/1/25</a:t>
             </a:fld>
             <a:endParaRPr lang="en-US"/>
           </a:p>
@@ -5709,7 +5818,7 @@
           <a:p>
             <a:fld id="{51673806-0BCD-1F42-BAA8-2011034B3C6A}" type="datetimeFigureOut">
               <a:rPr lang="en-US" smtClean="0"/>
-              <a:t>4/30/25</a:t>
+              <a:t>5/1/25</a:t>
             </a:fld>
             <a:endParaRPr lang="en-US"/>
           </a:p>
@@ -5968,7 +6077,7 @@
           <a:p>
             <a:fld id="{51673806-0BCD-1F42-BAA8-2011034B3C6A}" type="datetimeFigureOut">
               <a:rPr lang="en-US" smtClean="0"/>
-              <a:t>4/30/25</a:t>
+              <a:t>5/1/25</a:t>
             </a:fld>
             <a:endParaRPr lang="en-US"/>
           </a:p>
@@ -6291,7 +6400,7 @@
           <a:p>
             <a:fld id="{51673806-0BCD-1F42-BAA8-2011034B3C6A}" type="datetimeFigureOut">
               <a:rPr lang="en-US" smtClean="0"/>
-              <a:t>4/30/25</a:t>
+              <a:t>5/1/25</a:t>
             </a:fld>
             <a:endParaRPr lang="en-US"/>
           </a:p>
@@ -6675,7 +6784,7 @@
           <a:p>
             <a:fld id="{51673806-0BCD-1F42-BAA8-2011034B3C6A}" type="datetimeFigureOut">
               <a:rPr lang="en-US" smtClean="0"/>
-              <a:t>4/30/25</a:t>
+              <a:t>5/1/25</a:t>
             </a:fld>
             <a:endParaRPr lang="en-US"/>
           </a:p>
@@ -7051,7 +7160,7 @@
           <a:p>
             <a:fld id="{51673806-0BCD-1F42-BAA8-2011034B3C6A}" type="datetimeFigureOut">
               <a:rPr lang="en-US" smtClean="0"/>
-              <a:t>4/30/25</a:t>
+              <a:t>5/1/25</a:t>
             </a:fld>
             <a:endParaRPr lang="en-US"/>
           </a:p>
@@ -7557,7 +7666,7 @@
           <a:p>
             <a:fld id="{51673806-0BCD-1F42-BAA8-2011034B3C6A}" type="datetimeFigureOut">
               <a:rPr lang="en-US" smtClean="0"/>
-              <a:t>4/30/25</a:t>
+              <a:t>5/1/25</a:t>
             </a:fld>
             <a:endParaRPr lang="en-US"/>
           </a:p>
@@ -7814,7 +7923,7 @@
           <a:p>
             <a:fld id="{51673806-0BCD-1F42-BAA8-2011034B3C6A}" type="datetimeFigureOut">
               <a:rPr lang="en-US" smtClean="0"/>
-              <a:t>4/30/25</a:t>
+              <a:t>5/1/25</a:t>
             </a:fld>
             <a:endParaRPr lang="en-US"/>
           </a:p>
@@ -7972,7 +8081,7 @@
           <a:p>
             <a:fld id="{51673806-0BCD-1F42-BAA8-2011034B3C6A}" type="datetimeFigureOut">
               <a:rPr lang="en-US" smtClean="0"/>
-              <a:t>4/30/25</a:t>
+              <a:t>5/1/25</a:t>
             </a:fld>
             <a:endParaRPr lang="en-US"/>
           </a:p>
@@ -8362,7 +8471,7 @@
           <a:p>
             <a:fld id="{51673806-0BCD-1F42-BAA8-2011034B3C6A}" type="datetimeFigureOut">
               <a:rPr lang="en-US" smtClean="0"/>
-              <a:t>4/30/25</a:t>
+              <a:t>5/1/25</a:t>
             </a:fld>
             <a:endParaRPr lang="en-US"/>
           </a:p>
@@ -8771,7 +8880,7 @@
           <a:p>
             <a:fld id="{51673806-0BCD-1F42-BAA8-2011034B3C6A}" type="datetimeFigureOut">
               <a:rPr lang="en-US" smtClean="0"/>
-              <a:t>4/30/25</a:t>
+              <a:t>5/1/25</a:t>
             </a:fld>
             <a:endParaRPr lang="en-US"/>
           </a:p>
@@ -9017,7 +9126,7 @@
             <a:fld id="{51673806-0BCD-1F42-BAA8-2011034B3C6A}" type="datetimeFigureOut">
               <a:rPr lang="en-US" smtClean="0"/>
               <a:pPr/>
-              <a:t>4/30/25</a:t>
+              <a:t>5/1/25</a:t>
             </a:fld>
             <a:endParaRPr lang="en-US" dirty="0"/>
           </a:p>
@@ -10706,6 +10815,366 @@
   <p:cSld>
     <p:spTree>
       <p:nvGrpSpPr>
+        <p:cNvPr id="1" name="">
+          <a:extLst>
+            <a:ext uri="{FF2B5EF4-FFF2-40B4-BE49-F238E27FC236}">
+              <a16:creationId xmlns:a16="http://schemas.microsoft.com/office/drawing/2014/main" id="{E2B708F2-F3CD-1999-37A4-607AE164E66E}"/>
+            </a:ext>
+          </a:extLst>
+        </p:cNvPr>
+        <p:cNvGrpSpPr/>
+        <p:nvPr/>
+      </p:nvGrpSpPr>
+      <p:grpSpPr>
+        <a:xfrm>
+          <a:off x="0" y="0"/>
+          <a:ext cx="0" cy="0"/>
+          <a:chOff x="0" y="0"/>
+          <a:chExt cx="0" cy="0"/>
+        </a:xfrm>
+      </p:grpSpPr>
+      <p:sp>
+        <p:nvSpPr>
+          <p:cNvPr id="2" name="Title 1">
+            <a:extLst>
+              <a:ext uri="{FF2B5EF4-FFF2-40B4-BE49-F238E27FC236}">
+                <a16:creationId xmlns:a16="http://schemas.microsoft.com/office/drawing/2014/main" id="{8B86F95D-67FB-97DA-3068-2DC44030FDD7}"/>
+              </a:ext>
+            </a:extLst>
+          </p:cNvPr>
+          <p:cNvSpPr>
+            <a:spLocks noGrp="1"/>
+          </p:cNvSpPr>
+          <p:nvPr>
+            <p:ph type="title"/>
+          </p:nvPr>
+        </p:nvSpPr>
+        <p:spPr/>
+        <p:txBody>
+          <a:bodyPr/>
+          <a:lstStyle/>
+          <a:p>
+            <a:r>
+              <a:rPr lang="en-US" dirty="0"/>
+              <a:t>Resources</a:t>
+            </a:r>
+          </a:p>
+        </p:txBody>
+      </p:sp>
+      <p:sp>
+        <p:nvSpPr>
+          <p:cNvPr id="3" name="Content Placeholder 2">
+            <a:extLst>
+              <a:ext uri="{FF2B5EF4-FFF2-40B4-BE49-F238E27FC236}">
+                <a16:creationId xmlns:a16="http://schemas.microsoft.com/office/drawing/2014/main" id="{F043A82C-8AFE-6614-538C-13F7DDFAD79F}"/>
+              </a:ext>
+            </a:extLst>
+          </p:cNvPr>
+          <p:cNvSpPr>
+            <a:spLocks noGrp="1"/>
+          </p:cNvSpPr>
+          <p:nvPr>
+            <p:ph idx="1"/>
+          </p:nvPr>
+        </p:nvSpPr>
+        <p:spPr>
+          <a:xfrm>
+            <a:off x="680321" y="2227690"/>
+            <a:ext cx="5415679" cy="4377827"/>
+          </a:xfrm>
+        </p:spPr>
+        <p:txBody>
+          <a:bodyPr>
+            <a:normAutofit/>
+          </a:bodyPr>
+          <a:lstStyle/>
+          <a:p>
+            <a:pPr marL="0" indent="0">
+              <a:buNone/>
+            </a:pPr>
+            <a:r>
+              <a:rPr lang="en-US" dirty="0"/>
+              <a:t>Do use:</a:t>
+            </a:r>
+          </a:p>
+          <a:p>
+            <a:r>
+              <a:rPr lang="en-US" dirty="0"/>
+              <a:t>The reference notebooks and slides</a:t>
+            </a:r>
+          </a:p>
+          <a:p>
+            <a:r>
+              <a:rPr lang="en-US" dirty="0"/>
+              <a:t>Your groupmates and peers</a:t>
+            </a:r>
+          </a:p>
+          <a:p>
+            <a:r>
+              <a:rPr lang="en-US" dirty="0"/>
+              <a:t>The bootcamp facilitators</a:t>
+            </a:r>
+          </a:p>
+          <a:p>
+            <a:r>
+              <a:rPr lang="en-US" dirty="0"/>
+              <a:t>Coding forums, e.g. Stack Overflow</a:t>
+            </a:r>
+          </a:p>
+          <a:p>
+            <a:r>
+              <a:rPr lang="en-US" dirty="0"/>
+              <a:t>Your research advisor(s)</a:t>
+            </a:r>
+          </a:p>
+          <a:p>
+            <a:endParaRPr lang="en-US" dirty="0"/>
+          </a:p>
+          <a:p>
+            <a:pPr marL="0" indent="0">
+              <a:buNone/>
+            </a:pPr>
+            <a:endParaRPr lang="en-US" dirty="0"/>
+          </a:p>
+        </p:txBody>
+      </p:sp>
+      <p:sp>
+        <p:nvSpPr>
+          <p:cNvPr id="4" name="Content Placeholder 2">
+            <a:extLst>
+              <a:ext uri="{FF2B5EF4-FFF2-40B4-BE49-F238E27FC236}">
+                <a16:creationId xmlns:a16="http://schemas.microsoft.com/office/drawing/2014/main" id="{AD5DEBFE-D58C-1FAD-ECA5-657F9B73B874}"/>
+              </a:ext>
+            </a:extLst>
+          </p:cNvPr>
+          <p:cNvSpPr txBox="1">
+            <a:spLocks/>
+          </p:cNvSpPr>
+          <p:nvPr/>
+        </p:nvSpPr>
+        <p:spPr>
+          <a:xfrm>
+            <a:off x="6096000" y="2227689"/>
+            <a:ext cx="5415679" cy="4377827"/>
+          </a:xfrm>
+          <a:prstGeom prst="rect">
+            <a:avLst/>
+          </a:prstGeom>
+        </p:spPr>
+        <p:txBody>
+          <a:bodyPr vert="horz" lIns="91440" tIns="45720" rIns="91440" bIns="45720" rtlCol="0">
+            <a:normAutofit/>
+          </a:bodyPr>
+          <a:lstStyle>
+            <a:lvl1pPr marL="228600" indent="-228600" algn="l" defTabSz="914400" rtl="0" eaLnBrk="1" latinLnBrk="0" hangingPunct="1">
+              <a:lnSpc>
+                <a:spcPct val="90000"/>
+              </a:lnSpc>
+              <a:spcBef>
+                <a:spcPts val="1000"/>
+              </a:spcBef>
+              <a:buFont typeface="Arial" panose="020B0604020202020204" pitchFamily="34" charset="0"/>
+              <a:buChar char="•"/>
+              <a:defRPr sz="2400" kern="1200">
+                <a:solidFill>
+                  <a:schemeClr val="tx1"/>
+                </a:solidFill>
+                <a:latin typeface="Times New Roman" charset="0"/>
+                <a:ea typeface="Times New Roman" charset="0"/>
+                <a:cs typeface="Times New Roman" charset="0"/>
+              </a:defRPr>
+            </a:lvl1pPr>
+            <a:lvl2pPr marL="685800" indent="-228600" algn="l" defTabSz="914400" rtl="0" eaLnBrk="1" latinLnBrk="0" hangingPunct="1">
+              <a:lnSpc>
+                <a:spcPct val="90000"/>
+              </a:lnSpc>
+              <a:spcBef>
+                <a:spcPts val="500"/>
+              </a:spcBef>
+              <a:buFont typeface="Arial" panose="020B0604020202020204" pitchFamily="34" charset="0"/>
+              <a:buChar char="•"/>
+              <a:defRPr sz="2000" kern="1200">
+                <a:solidFill>
+                  <a:schemeClr val="tx1"/>
+                </a:solidFill>
+                <a:latin typeface="Times New Roman" charset="0"/>
+                <a:ea typeface="Times New Roman" charset="0"/>
+                <a:cs typeface="Times New Roman" charset="0"/>
+              </a:defRPr>
+            </a:lvl2pPr>
+            <a:lvl3pPr marL="1143000" indent="-228600" algn="l" defTabSz="914400" rtl="0" eaLnBrk="1" latinLnBrk="0" hangingPunct="1">
+              <a:lnSpc>
+                <a:spcPct val="90000"/>
+              </a:lnSpc>
+              <a:spcBef>
+                <a:spcPts val="500"/>
+              </a:spcBef>
+              <a:buFont typeface="Arial" panose="020B0604020202020204" pitchFamily="34" charset="0"/>
+              <a:buChar char="•"/>
+              <a:defRPr sz="1800" kern="1200">
+                <a:solidFill>
+                  <a:schemeClr val="tx1"/>
+                </a:solidFill>
+                <a:latin typeface="Times New Roman" charset="0"/>
+                <a:ea typeface="Times New Roman" charset="0"/>
+                <a:cs typeface="Times New Roman" charset="0"/>
+              </a:defRPr>
+            </a:lvl3pPr>
+            <a:lvl4pPr marL="1600200" indent="-228600" algn="l" defTabSz="914400" rtl="0" eaLnBrk="1" latinLnBrk="0" hangingPunct="1">
+              <a:lnSpc>
+                <a:spcPct val="90000"/>
+              </a:lnSpc>
+              <a:spcBef>
+                <a:spcPts val="500"/>
+              </a:spcBef>
+              <a:buFont typeface="Arial" panose="020B0604020202020204" pitchFamily="34" charset="0"/>
+              <a:buChar char="•"/>
+              <a:defRPr sz="1600" kern="1200">
+                <a:solidFill>
+                  <a:schemeClr val="tx1"/>
+                </a:solidFill>
+                <a:latin typeface="Times New Roman" charset="0"/>
+                <a:ea typeface="Times New Roman" charset="0"/>
+                <a:cs typeface="Times New Roman" charset="0"/>
+              </a:defRPr>
+            </a:lvl4pPr>
+            <a:lvl5pPr marL="2057400" indent="-228600" algn="l" defTabSz="914400" rtl="0" eaLnBrk="1" latinLnBrk="0" hangingPunct="1">
+              <a:lnSpc>
+                <a:spcPct val="90000"/>
+              </a:lnSpc>
+              <a:spcBef>
+                <a:spcPts val="500"/>
+              </a:spcBef>
+              <a:buFont typeface="Arial" panose="020B0604020202020204" pitchFamily="34" charset="0"/>
+              <a:buChar char="•"/>
+              <a:defRPr sz="1600" kern="1200">
+                <a:solidFill>
+                  <a:schemeClr val="tx1"/>
+                </a:solidFill>
+                <a:latin typeface="Times New Roman" charset="0"/>
+                <a:ea typeface="Times New Roman" charset="0"/>
+                <a:cs typeface="Times New Roman" charset="0"/>
+              </a:defRPr>
+            </a:lvl5pPr>
+            <a:lvl6pPr marL="2514600" indent="-228600" algn="l" defTabSz="914400" rtl="0" eaLnBrk="1" latinLnBrk="0" hangingPunct="1">
+              <a:lnSpc>
+                <a:spcPct val="90000"/>
+              </a:lnSpc>
+              <a:spcBef>
+                <a:spcPts val="500"/>
+              </a:spcBef>
+              <a:buFont typeface="Arial" panose="020B0604020202020204" pitchFamily="34" charset="0"/>
+              <a:buChar char="•"/>
+              <a:defRPr sz="1400" kern="1200">
+                <a:solidFill>
+                  <a:schemeClr val="tx1"/>
+                </a:solidFill>
+                <a:latin typeface="+mn-lt"/>
+                <a:ea typeface="+mn-ea"/>
+                <a:cs typeface="+mn-cs"/>
+              </a:defRPr>
+            </a:lvl6pPr>
+            <a:lvl7pPr marL="2971800" indent="-228600" algn="l" defTabSz="914400" rtl="0" eaLnBrk="1" latinLnBrk="0" hangingPunct="1">
+              <a:lnSpc>
+                <a:spcPct val="90000"/>
+              </a:lnSpc>
+              <a:spcBef>
+                <a:spcPts val="500"/>
+              </a:spcBef>
+              <a:buFont typeface="Arial" panose="020B0604020202020204" pitchFamily="34" charset="0"/>
+              <a:buChar char="•"/>
+              <a:defRPr sz="1400" kern="1200">
+                <a:solidFill>
+                  <a:schemeClr val="tx1"/>
+                </a:solidFill>
+                <a:latin typeface="+mn-lt"/>
+                <a:ea typeface="+mn-ea"/>
+                <a:cs typeface="+mn-cs"/>
+              </a:defRPr>
+            </a:lvl7pPr>
+            <a:lvl8pPr marL="3429000" indent="-228600" algn="l" defTabSz="914400" rtl="0" eaLnBrk="1" latinLnBrk="0" hangingPunct="1">
+              <a:lnSpc>
+                <a:spcPct val="90000"/>
+              </a:lnSpc>
+              <a:spcBef>
+                <a:spcPts val="500"/>
+              </a:spcBef>
+              <a:buFont typeface="Arial" panose="020B0604020202020204" pitchFamily="34" charset="0"/>
+              <a:buChar char="•"/>
+              <a:defRPr sz="1400" kern="1200">
+                <a:solidFill>
+                  <a:schemeClr val="tx1"/>
+                </a:solidFill>
+                <a:latin typeface="+mn-lt"/>
+                <a:ea typeface="+mn-ea"/>
+                <a:cs typeface="+mn-cs"/>
+              </a:defRPr>
+            </a:lvl8pPr>
+            <a:lvl9pPr marL="3886200" indent="-228600" algn="l" defTabSz="914400" rtl="0" eaLnBrk="1" latinLnBrk="0" hangingPunct="1">
+              <a:lnSpc>
+                <a:spcPct val="90000"/>
+              </a:lnSpc>
+              <a:spcBef>
+                <a:spcPts val="500"/>
+              </a:spcBef>
+              <a:buFont typeface="Arial" panose="020B0604020202020204" pitchFamily="34" charset="0"/>
+              <a:buChar char="•"/>
+              <a:defRPr sz="1400" kern="1200">
+                <a:solidFill>
+                  <a:schemeClr val="tx1"/>
+                </a:solidFill>
+                <a:latin typeface="+mn-lt"/>
+                <a:ea typeface="+mn-ea"/>
+                <a:cs typeface="+mn-cs"/>
+              </a:defRPr>
+            </a:lvl9pPr>
+          </a:lstStyle>
+          <a:p>
+            <a:pPr marL="0" indent="0">
+              <a:buFont typeface="Arial" panose="020B0604020202020204" pitchFamily="34" charset="0"/>
+              <a:buNone/>
+            </a:pPr>
+            <a:r>
+              <a:rPr lang="en-US" dirty="0"/>
+              <a:t>Don’t use:</a:t>
+            </a:r>
+          </a:p>
+          <a:p>
+            <a:r>
+              <a:rPr lang="en-US" dirty="0"/>
+              <a:t>ChatGPT, Copilot, or other AI code generators</a:t>
+            </a:r>
+          </a:p>
+          <a:p>
+            <a:endParaRPr lang="en-US" dirty="0"/>
+          </a:p>
+          <a:p>
+            <a:pPr marL="0" indent="0">
+              <a:buFont typeface="Arial" panose="020B0604020202020204" pitchFamily="34" charset="0"/>
+              <a:buNone/>
+            </a:pPr>
+            <a:endParaRPr lang="en-US" dirty="0"/>
+          </a:p>
+        </p:txBody>
+      </p:sp>
+    </p:spTree>
+    <p:extLst>
+      <p:ext uri="{BB962C8B-B14F-4D97-AF65-F5344CB8AC3E}">
+        <p14:creationId xmlns:p14="http://schemas.microsoft.com/office/powerpoint/2010/main" val="2841473807"/>
+      </p:ext>
+    </p:extLst>
+  </p:cSld>
+  <p:clrMapOvr>
+    <a:masterClrMapping/>
+  </p:clrMapOvr>
+</p:sld>
+</file>
+
+<file path=ppt/slides/slide17.xml><?xml version="1.0" encoding="utf-8"?>
+<p:sld xmlns:a="http://schemas.openxmlformats.org/drawingml/2006/main" xmlns:r="http://schemas.openxmlformats.org/officeDocument/2006/relationships" xmlns:p="http://schemas.openxmlformats.org/presentationml/2006/main">
+  <p:cSld>
+    <p:spTree>
+      <p:nvGrpSpPr>
         <p:cNvPr id="1" name=""/>
         <p:cNvGrpSpPr/>
         <p:nvPr/>
@@ -10833,7 +11302,7 @@
 </p:sld>
 </file>
 
-<file path=ppt/slides/slide17.xml><?xml version="1.0" encoding="utf-8"?>
+<file path=ppt/slides/slide18.xml><?xml version="1.0" encoding="utf-8"?>
 <p:sld xmlns:a="http://schemas.openxmlformats.org/drawingml/2006/main" xmlns:r="http://schemas.openxmlformats.org/officeDocument/2006/relationships" xmlns:p="http://schemas.openxmlformats.org/presentationml/2006/main">
   <p:cSld>
     <p:spTree>

--- a/day1/slides/intro.pptx
+++ b/day1/slides/intro.pptx
@@ -214,7 +214,7 @@
           <a:p>
             <a:fld id="{D49A0B7E-B595-B14C-B05F-40313997F4EC}" type="datetimeFigureOut">
               <a:rPr lang="en-US" smtClean="0"/>
-              <a:t>5/1/25</a:t>
+              <a:t>5/2/25</a:t>
             </a:fld>
             <a:endParaRPr lang="en-US"/>
           </a:p>
@@ -2218,7 +2218,7 @@
           <a:p>
             <a:fld id="{51673806-0BCD-1F42-BAA8-2011034B3C6A}" type="datetimeFigureOut">
               <a:rPr lang="en-US" smtClean="0"/>
-              <a:t>5/1/25</a:t>
+              <a:t>5/2/25</a:t>
             </a:fld>
             <a:endParaRPr lang="en-US"/>
           </a:p>
@@ -2632,7 +2632,7 @@
           <a:p>
             <a:fld id="{51673806-0BCD-1F42-BAA8-2011034B3C6A}" type="datetimeFigureOut">
               <a:rPr lang="en-US" smtClean="0"/>
-              <a:t>5/1/25</a:t>
+              <a:t>5/2/25</a:t>
             </a:fld>
             <a:endParaRPr lang="en-US"/>
           </a:p>
@@ -2963,7 +2963,7 @@
           <a:p>
             <a:fld id="{51673806-0BCD-1F42-BAA8-2011034B3C6A}" type="datetimeFigureOut">
               <a:rPr lang="en-US" smtClean="0"/>
-              <a:t>5/1/25</a:t>
+              <a:t>5/2/25</a:t>
             </a:fld>
             <a:endParaRPr lang="en-US"/>
           </a:p>
@@ -3363,7 +3363,7 @@
           <a:p>
             <a:fld id="{51673806-0BCD-1F42-BAA8-2011034B3C6A}" type="datetimeFigureOut">
               <a:rPr lang="en-US" smtClean="0"/>
-              <a:t>5/1/25</a:t>
+              <a:t>5/2/25</a:t>
             </a:fld>
             <a:endParaRPr lang="en-US"/>
           </a:p>
@@ -3926,7 +3926,7 @@
           <a:p>
             <a:fld id="{51673806-0BCD-1F42-BAA8-2011034B3C6A}" type="datetimeFigureOut">
               <a:rPr lang="en-US" smtClean="0"/>
-              <a:t>5/1/25</a:t>
+              <a:t>5/2/25</a:t>
             </a:fld>
             <a:endParaRPr lang="en-US"/>
           </a:p>
@@ -4602,7 +4602,7 @@
           <a:p>
             <a:fld id="{51673806-0BCD-1F42-BAA8-2011034B3C6A}" type="datetimeFigureOut">
               <a:rPr lang="en-US" smtClean="0"/>
-              <a:t>5/1/25</a:t>
+              <a:t>5/2/25</a:t>
             </a:fld>
             <a:endParaRPr lang="en-US"/>
           </a:p>
@@ -5510,7 +5510,7 @@
           <a:p>
             <a:fld id="{51673806-0BCD-1F42-BAA8-2011034B3C6A}" type="datetimeFigureOut">
               <a:rPr lang="en-US" smtClean="0"/>
-              <a:t>5/1/25</a:t>
+              <a:t>5/2/25</a:t>
             </a:fld>
             <a:endParaRPr lang="en-US"/>
           </a:p>
@@ -5818,7 +5818,7 @@
           <a:p>
             <a:fld id="{51673806-0BCD-1F42-BAA8-2011034B3C6A}" type="datetimeFigureOut">
               <a:rPr lang="en-US" smtClean="0"/>
-              <a:t>5/1/25</a:t>
+              <a:t>5/2/25</a:t>
             </a:fld>
             <a:endParaRPr lang="en-US"/>
           </a:p>
@@ -6077,7 +6077,7 @@
           <a:p>
             <a:fld id="{51673806-0BCD-1F42-BAA8-2011034B3C6A}" type="datetimeFigureOut">
               <a:rPr lang="en-US" smtClean="0"/>
-              <a:t>5/1/25</a:t>
+              <a:t>5/2/25</a:t>
             </a:fld>
             <a:endParaRPr lang="en-US"/>
           </a:p>
@@ -6400,7 +6400,7 @@
           <a:p>
             <a:fld id="{51673806-0BCD-1F42-BAA8-2011034B3C6A}" type="datetimeFigureOut">
               <a:rPr lang="en-US" smtClean="0"/>
-              <a:t>5/1/25</a:t>
+              <a:t>5/2/25</a:t>
             </a:fld>
             <a:endParaRPr lang="en-US"/>
           </a:p>
@@ -6784,7 +6784,7 @@
           <a:p>
             <a:fld id="{51673806-0BCD-1F42-BAA8-2011034B3C6A}" type="datetimeFigureOut">
               <a:rPr lang="en-US" smtClean="0"/>
-              <a:t>5/1/25</a:t>
+              <a:t>5/2/25</a:t>
             </a:fld>
             <a:endParaRPr lang="en-US"/>
           </a:p>
@@ -7160,7 +7160,7 @@
           <a:p>
             <a:fld id="{51673806-0BCD-1F42-BAA8-2011034B3C6A}" type="datetimeFigureOut">
               <a:rPr lang="en-US" smtClean="0"/>
-              <a:t>5/1/25</a:t>
+              <a:t>5/2/25</a:t>
             </a:fld>
             <a:endParaRPr lang="en-US"/>
           </a:p>
@@ -7666,7 +7666,7 @@
           <a:p>
             <a:fld id="{51673806-0BCD-1F42-BAA8-2011034B3C6A}" type="datetimeFigureOut">
               <a:rPr lang="en-US" smtClean="0"/>
-              <a:t>5/1/25</a:t>
+              <a:t>5/2/25</a:t>
             </a:fld>
             <a:endParaRPr lang="en-US"/>
           </a:p>
@@ -7923,7 +7923,7 @@
           <a:p>
             <a:fld id="{51673806-0BCD-1F42-BAA8-2011034B3C6A}" type="datetimeFigureOut">
               <a:rPr lang="en-US" smtClean="0"/>
-              <a:t>5/1/25</a:t>
+              <a:t>5/2/25</a:t>
             </a:fld>
             <a:endParaRPr lang="en-US"/>
           </a:p>
@@ -8081,7 +8081,7 @@
           <a:p>
             <a:fld id="{51673806-0BCD-1F42-BAA8-2011034B3C6A}" type="datetimeFigureOut">
               <a:rPr lang="en-US" smtClean="0"/>
-              <a:t>5/1/25</a:t>
+              <a:t>5/2/25</a:t>
             </a:fld>
             <a:endParaRPr lang="en-US"/>
           </a:p>
@@ -8471,7 +8471,7 @@
           <a:p>
             <a:fld id="{51673806-0BCD-1F42-BAA8-2011034B3C6A}" type="datetimeFigureOut">
               <a:rPr lang="en-US" smtClean="0"/>
-              <a:t>5/1/25</a:t>
+              <a:t>5/2/25</a:t>
             </a:fld>
             <a:endParaRPr lang="en-US"/>
           </a:p>
@@ -8880,7 +8880,7 @@
           <a:p>
             <a:fld id="{51673806-0BCD-1F42-BAA8-2011034B3C6A}" type="datetimeFigureOut">
               <a:rPr lang="en-US" smtClean="0"/>
-              <a:t>5/1/25</a:t>
+              <a:t>5/2/25</a:t>
             </a:fld>
             <a:endParaRPr lang="en-US"/>
           </a:p>
@@ -9126,7 +9126,7 @@
             <a:fld id="{51673806-0BCD-1F42-BAA8-2011034B3C6A}" type="datetimeFigureOut">
               <a:rPr lang="en-US" smtClean="0"/>
               <a:pPr/>
-              <a:t>5/1/25</a:t>
+              <a:t>5/2/25</a:t>
             </a:fld>
             <a:endParaRPr lang="en-US" dirty="0"/>
           </a:p>
@@ -11587,7 +11587,7 @@
             </a:pPr>
             <a:r>
               <a:rPr lang="en-US" sz="2400" dirty="0"/>
-              <a:t>Liam Dubay (4</a:t>
+              <a:t>Liam Dubay (5</a:t>
             </a:r>
             <a:r>
               <a:rPr lang="en-US" sz="2400" baseline="30000" dirty="0"/>
@@ -11609,11 +11609,11 @@
             </a:pPr>
             <a:r>
               <a:rPr lang="en-US" sz="2400" dirty="0"/>
-              <a:t>Tawny Sit (3</a:t>
+              <a:t>Tawny Sit (4</a:t>
             </a:r>
             <a:r>
               <a:rPr lang="en-US" sz="2400" baseline="30000" dirty="0"/>
-              <a:t>rd</a:t>
+              <a:t>th</a:t>
             </a:r>
             <a:r>
               <a:rPr lang="en-US" sz="2400" dirty="0"/>
@@ -11631,7 +11631,7 @@
             </a:pPr>
             <a:r>
               <a:rPr lang="en-US" sz="2400" dirty="0"/>
-              <a:t>Jack Roberts (5</a:t>
+              <a:t>Jack Roberts (6</a:t>
             </a:r>
             <a:r>
               <a:rPr lang="en-US" sz="2400" baseline="30000" dirty="0"/>
@@ -11653,11 +11653,11 @@
             </a:pPr>
             <a:r>
               <a:rPr lang="en-US" sz="2400" dirty="0"/>
-              <a:t>Kaz Gary (3</a:t>
+              <a:t>Kaz Gary (4</a:t>
             </a:r>
             <a:r>
               <a:rPr lang="en-US" sz="2400" baseline="30000" dirty="0"/>
-              <a:t>rd</a:t>
+              <a:t>th</a:t>
             </a:r>
             <a:r>
               <a:rPr lang="en-US" sz="2400" dirty="0"/>
@@ -11687,11 +11687,11 @@
             </a:r>
             <a:r>
               <a:rPr lang="en-US" sz="2400" dirty="0"/>
-              <a:t> (1</a:t>
+              <a:t> (2</a:t>
             </a:r>
             <a:r>
               <a:rPr lang="en-US" sz="2400" baseline="30000" dirty="0"/>
-              <a:t>st</a:t>
+              <a:t>nd</a:t>
             </a:r>
             <a:r>
               <a:rPr lang="en-US" sz="2400" dirty="0"/>
@@ -11709,7 +11709,15 @@
             </a:pPr>
             <a:r>
               <a:rPr lang="en-US" sz="2400" dirty="0"/>
-              <a:t>Sai Senthil (undergrad)</a:t>
+              <a:t>Sai </a:t>
+            </a:r>
+            <a:r>
+              <a:rPr lang="en-US" sz="2400" dirty="0" err="1"/>
+              <a:t>Vidyud</a:t>
+            </a:r>
+            <a:r>
+              <a:rPr lang="en-US" sz="2400" dirty="0"/>
+              <a:t> Senthil Nathan (senior undergrad)</a:t>
             </a:r>
           </a:p>
           <a:p>

--- a/day1/slides/intro.pptx
+++ b/day1/slides/intro.pptx
@@ -214,7 +214,7 @@
           <a:p>
             <a:fld id="{D49A0B7E-B595-B14C-B05F-40313997F4EC}" type="datetimeFigureOut">
               <a:rPr lang="en-US" smtClean="0"/>
-              <a:t>5/2/25</a:t>
+              <a:t>5/5/25</a:t>
             </a:fld>
             <a:endParaRPr lang="en-US"/>
           </a:p>
@@ -1062,7 +1062,10 @@
           <a:bodyPr/>
           <a:lstStyle/>
           <a:p>
-            <a:endParaRPr lang="en-US" dirty="0"/>
+            <a:r>
+              <a:rPr lang="en-US" dirty="0"/>
+              <a:t>This bootcamp is for YOU – there are no grades, no penalty if you don’t get through all the material. We want to start developing good habits that you will rely on the rest of your career.</a:t>
+            </a:r>
           </a:p>
         </p:txBody>
       </p:sp>
@@ -1388,7 +1391,10 @@
           <a:bodyPr/>
           <a:lstStyle/>
           <a:p>
-            <a:endParaRPr lang="en-US" dirty="0"/>
+            <a:r>
+              <a:rPr lang="en-US" dirty="0"/>
+              <a:t>We will provide some notebooks to learn and review material, but many of the exercises and group challenges are best done in text files. I encourage everyone to practice using text files in this bootcamp, since most of you are less familiar with that way of coding</a:t>
+            </a:r>
           </a:p>
         </p:txBody>
       </p:sp>
@@ -2218,7 +2224,7 @@
           <a:p>
             <a:fld id="{51673806-0BCD-1F42-BAA8-2011034B3C6A}" type="datetimeFigureOut">
               <a:rPr lang="en-US" smtClean="0"/>
-              <a:t>5/2/25</a:t>
+              <a:t>5/5/25</a:t>
             </a:fld>
             <a:endParaRPr lang="en-US"/>
           </a:p>
@@ -2632,7 +2638,7 @@
           <a:p>
             <a:fld id="{51673806-0BCD-1F42-BAA8-2011034B3C6A}" type="datetimeFigureOut">
               <a:rPr lang="en-US" smtClean="0"/>
-              <a:t>5/2/25</a:t>
+              <a:t>5/5/25</a:t>
             </a:fld>
             <a:endParaRPr lang="en-US"/>
           </a:p>
@@ -2963,7 +2969,7 @@
           <a:p>
             <a:fld id="{51673806-0BCD-1F42-BAA8-2011034B3C6A}" type="datetimeFigureOut">
               <a:rPr lang="en-US" smtClean="0"/>
-              <a:t>5/2/25</a:t>
+              <a:t>5/5/25</a:t>
             </a:fld>
             <a:endParaRPr lang="en-US"/>
           </a:p>
@@ -3363,7 +3369,7 @@
           <a:p>
             <a:fld id="{51673806-0BCD-1F42-BAA8-2011034B3C6A}" type="datetimeFigureOut">
               <a:rPr lang="en-US" smtClean="0"/>
-              <a:t>5/2/25</a:t>
+              <a:t>5/5/25</a:t>
             </a:fld>
             <a:endParaRPr lang="en-US"/>
           </a:p>
@@ -3926,7 +3932,7 @@
           <a:p>
             <a:fld id="{51673806-0BCD-1F42-BAA8-2011034B3C6A}" type="datetimeFigureOut">
               <a:rPr lang="en-US" smtClean="0"/>
-              <a:t>5/2/25</a:t>
+              <a:t>5/5/25</a:t>
             </a:fld>
             <a:endParaRPr lang="en-US"/>
           </a:p>
@@ -4602,7 +4608,7 @@
           <a:p>
             <a:fld id="{51673806-0BCD-1F42-BAA8-2011034B3C6A}" type="datetimeFigureOut">
               <a:rPr lang="en-US" smtClean="0"/>
-              <a:t>5/2/25</a:t>
+              <a:t>5/5/25</a:t>
             </a:fld>
             <a:endParaRPr lang="en-US"/>
           </a:p>
@@ -5510,7 +5516,7 @@
           <a:p>
             <a:fld id="{51673806-0BCD-1F42-BAA8-2011034B3C6A}" type="datetimeFigureOut">
               <a:rPr lang="en-US" smtClean="0"/>
-              <a:t>5/2/25</a:t>
+              <a:t>5/5/25</a:t>
             </a:fld>
             <a:endParaRPr lang="en-US"/>
           </a:p>
@@ -5818,7 +5824,7 @@
           <a:p>
             <a:fld id="{51673806-0BCD-1F42-BAA8-2011034B3C6A}" type="datetimeFigureOut">
               <a:rPr lang="en-US" smtClean="0"/>
-              <a:t>5/2/25</a:t>
+              <a:t>5/5/25</a:t>
             </a:fld>
             <a:endParaRPr lang="en-US"/>
           </a:p>
@@ -6077,7 +6083,7 @@
           <a:p>
             <a:fld id="{51673806-0BCD-1F42-BAA8-2011034B3C6A}" type="datetimeFigureOut">
               <a:rPr lang="en-US" smtClean="0"/>
-              <a:t>5/2/25</a:t>
+              <a:t>5/5/25</a:t>
             </a:fld>
             <a:endParaRPr lang="en-US"/>
           </a:p>
@@ -6400,7 +6406,7 @@
           <a:p>
             <a:fld id="{51673806-0BCD-1F42-BAA8-2011034B3C6A}" type="datetimeFigureOut">
               <a:rPr lang="en-US" smtClean="0"/>
-              <a:t>5/2/25</a:t>
+              <a:t>5/5/25</a:t>
             </a:fld>
             <a:endParaRPr lang="en-US"/>
           </a:p>
@@ -6784,7 +6790,7 @@
           <a:p>
             <a:fld id="{51673806-0BCD-1F42-BAA8-2011034B3C6A}" type="datetimeFigureOut">
               <a:rPr lang="en-US" smtClean="0"/>
-              <a:t>5/2/25</a:t>
+              <a:t>5/5/25</a:t>
             </a:fld>
             <a:endParaRPr lang="en-US"/>
           </a:p>
@@ -7160,7 +7166,7 @@
           <a:p>
             <a:fld id="{51673806-0BCD-1F42-BAA8-2011034B3C6A}" type="datetimeFigureOut">
               <a:rPr lang="en-US" smtClean="0"/>
-              <a:t>5/2/25</a:t>
+              <a:t>5/5/25</a:t>
             </a:fld>
             <a:endParaRPr lang="en-US"/>
           </a:p>
@@ -7666,7 +7672,7 @@
           <a:p>
             <a:fld id="{51673806-0BCD-1F42-BAA8-2011034B3C6A}" type="datetimeFigureOut">
               <a:rPr lang="en-US" smtClean="0"/>
-              <a:t>5/2/25</a:t>
+              <a:t>5/5/25</a:t>
             </a:fld>
             <a:endParaRPr lang="en-US"/>
           </a:p>
@@ -7923,7 +7929,7 @@
           <a:p>
             <a:fld id="{51673806-0BCD-1F42-BAA8-2011034B3C6A}" type="datetimeFigureOut">
               <a:rPr lang="en-US" smtClean="0"/>
-              <a:t>5/2/25</a:t>
+              <a:t>5/5/25</a:t>
             </a:fld>
             <a:endParaRPr lang="en-US"/>
           </a:p>
@@ -8081,7 +8087,7 @@
           <a:p>
             <a:fld id="{51673806-0BCD-1F42-BAA8-2011034B3C6A}" type="datetimeFigureOut">
               <a:rPr lang="en-US" smtClean="0"/>
-              <a:t>5/2/25</a:t>
+              <a:t>5/5/25</a:t>
             </a:fld>
             <a:endParaRPr lang="en-US"/>
           </a:p>
@@ -8471,7 +8477,7 @@
           <a:p>
             <a:fld id="{51673806-0BCD-1F42-BAA8-2011034B3C6A}" type="datetimeFigureOut">
               <a:rPr lang="en-US" smtClean="0"/>
-              <a:t>5/2/25</a:t>
+              <a:t>5/5/25</a:t>
             </a:fld>
             <a:endParaRPr lang="en-US"/>
           </a:p>
@@ -8880,7 +8886,7 @@
           <a:p>
             <a:fld id="{51673806-0BCD-1F42-BAA8-2011034B3C6A}" type="datetimeFigureOut">
               <a:rPr lang="en-US" smtClean="0"/>
-              <a:t>5/2/25</a:t>
+              <a:t>5/5/25</a:t>
             </a:fld>
             <a:endParaRPr lang="en-US"/>
           </a:p>
@@ -9126,7 +9132,7 @@
             <a:fld id="{51673806-0BCD-1F42-BAA8-2011034B3C6A}" type="datetimeFigureOut">
               <a:rPr lang="en-US" smtClean="0"/>
               <a:pPr/>
-              <a:t>5/2/25</a:t>
+              <a:t>5/5/25</a:t>
             </a:fld>
             <a:endParaRPr lang="en-US" dirty="0"/>
           </a:p>
@@ -11376,7 +11382,9 @@
           </a:xfrm>
         </p:spPr>
         <p:txBody>
-          <a:bodyPr/>
+          <a:bodyPr>
+            <a:normAutofit/>
+          </a:bodyPr>
           <a:lstStyle/>
           <a:p>
             <a:pPr marL="457200" indent="-457200">
@@ -11385,7 +11393,7 @@
             </a:pPr>
             <a:r>
               <a:rPr lang="en-US" dirty="0"/>
-              <a:t>Install Anaconda</a:t>
+              <a:t>Get into groups – all experience levels in each group</a:t>
             </a:r>
           </a:p>
           <a:p>
@@ -11395,22 +11403,7 @@
             </a:pPr>
             <a:r>
               <a:rPr lang="en-US" dirty="0"/>
-              <a:t>Make sure you have a way to edit text files and </a:t>
-            </a:r>
-            <a:r>
-              <a:rPr lang="en-US" dirty="0" err="1"/>
-              <a:t>Jupyter</a:t>
-            </a:r>
-            <a:r>
-              <a:rPr lang="en-US" dirty="0"/>
-              <a:t> notebooks</a:t>
-            </a:r>
-          </a:p>
-          <a:p>
-            <a:pPr lvl="1"/>
-            <a:r>
-              <a:rPr lang="en-US" dirty="0"/>
-              <a:t>Either an IDE or combination text editor and web browser</a:t>
+              <a:t>Slides: context of Python</a:t>
             </a:r>
           </a:p>
           <a:p>
@@ -11420,7 +11413,32 @@
             </a:pPr>
             <a:r>
               <a:rPr lang="en-US" dirty="0"/>
-              <a:t>Slides: context of Python, intro to GitHub</a:t>
+              <a:t>Install Anaconda</a:t>
+            </a:r>
+          </a:p>
+          <a:p>
+            <a:pPr marL="457200" indent="-457200">
+              <a:buFont typeface="+mj-lt"/>
+              <a:buAutoNum type="arabicPeriod"/>
+            </a:pPr>
+            <a:r>
+              <a:rPr lang="en-US" dirty="0"/>
+              <a:t>Make sure you have a way to edit text files and </a:t>
+            </a:r>
+            <a:r>
+              <a:rPr lang="en-US" dirty="0" err="1"/>
+              <a:t>Jupyter</a:t>
+            </a:r>
+            <a:r>
+              <a:rPr lang="en-US" dirty="0"/>
+              <a:t> notebooks</a:t>
+            </a:r>
+          </a:p>
+          <a:p>
+            <a:pPr lvl="1"/>
+            <a:r>
+              <a:rPr lang="en-US" dirty="0"/>
+              <a:t>Either an IDE or combination text editor and web browser</a:t>
             </a:r>
           </a:p>
           <a:p>
